--- a/13_TCC_Carlos_Jordana_05_07.pptx
+++ b/13_TCC_Carlos_Jordana_05_07.pptx
@@ -210,7 +210,7 @@
           <a:p>
             <a:fld id="{5494DA55-F0A9-4422-86E6-67A76190D2A3}" type="datetimeFigureOut">
               <a:rPr lang="es-ES" smtClean="0"/>
-              <a:t>05/07/2020</a:t>
+              <a:t>10/07/2020</a:t>
             </a:fld>
             <a:endParaRPr lang="es-ES"/>
           </a:p>
@@ -975,7 +975,7 @@
           <a:p>
             <a:fld id="{14F81100-6BBF-4321-88CC-D82FB5A15750}" type="datetimeFigureOut">
               <a:rPr lang="es-ES" smtClean="0"/>
-              <a:t>05/07/2020</a:t>
+              <a:t>10/07/2020</a:t>
             </a:fld>
             <a:endParaRPr lang="es-ES"/>
           </a:p>
@@ -1175,7 +1175,7 @@
           <a:p>
             <a:fld id="{14F81100-6BBF-4321-88CC-D82FB5A15750}" type="datetimeFigureOut">
               <a:rPr lang="es-ES" smtClean="0"/>
-              <a:t>05/07/2020</a:t>
+              <a:t>10/07/2020</a:t>
             </a:fld>
             <a:endParaRPr lang="es-ES"/>
           </a:p>
@@ -1385,7 +1385,7 @@
           <a:p>
             <a:fld id="{14F81100-6BBF-4321-88CC-D82FB5A15750}" type="datetimeFigureOut">
               <a:rPr lang="es-ES" smtClean="0"/>
-              <a:t>05/07/2020</a:t>
+              <a:t>10/07/2020</a:t>
             </a:fld>
             <a:endParaRPr lang="es-ES"/>
           </a:p>
@@ -1585,7 +1585,7 @@
           <a:p>
             <a:fld id="{14F81100-6BBF-4321-88CC-D82FB5A15750}" type="datetimeFigureOut">
               <a:rPr lang="es-ES" smtClean="0"/>
-              <a:t>05/07/2020</a:t>
+              <a:t>10/07/2020</a:t>
             </a:fld>
             <a:endParaRPr lang="es-ES"/>
           </a:p>
@@ -1861,7 +1861,7 @@
           <a:p>
             <a:fld id="{14F81100-6BBF-4321-88CC-D82FB5A15750}" type="datetimeFigureOut">
               <a:rPr lang="es-ES" smtClean="0"/>
-              <a:t>05/07/2020</a:t>
+              <a:t>10/07/2020</a:t>
             </a:fld>
             <a:endParaRPr lang="es-ES"/>
           </a:p>
@@ -2129,7 +2129,7 @@
           <a:p>
             <a:fld id="{14F81100-6BBF-4321-88CC-D82FB5A15750}" type="datetimeFigureOut">
               <a:rPr lang="es-ES" smtClean="0"/>
-              <a:t>05/07/2020</a:t>
+              <a:t>10/07/2020</a:t>
             </a:fld>
             <a:endParaRPr lang="es-ES"/>
           </a:p>
@@ -2544,7 +2544,7 @@
           <a:p>
             <a:fld id="{14F81100-6BBF-4321-88CC-D82FB5A15750}" type="datetimeFigureOut">
               <a:rPr lang="es-ES" smtClean="0"/>
-              <a:t>05/07/2020</a:t>
+              <a:t>10/07/2020</a:t>
             </a:fld>
             <a:endParaRPr lang="es-ES"/>
           </a:p>
@@ -2686,7 +2686,7 @@
           <a:p>
             <a:fld id="{14F81100-6BBF-4321-88CC-D82FB5A15750}" type="datetimeFigureOut">
               <a:rPr lang="es-ES" smtClean="0"/>
-              <a:t>05/07/2020</a:t>
+              <a:t>10/07/2020</a:t>
             </a:fld>
             <a:endParaRPr lang="es-ES"/>
           </a:p>
@@ -2799,7 +2799,7 @@
           <a:p>
             <a:fld id="{14F81100-6BBF-4321-88CC-D82FB5A15750}" type="datetimeFigureOut">
               <a:rPr lang="es-ES" smtClean="0"/>
-              <a:t>05/07/2020</a:t>
+              <a:t>10/07/2020</a:t>
             </a:fld>
             <a:endParaRPr lang="es-ES"/>
           </a:p>
@@ -3112,7 +3112,7 @@
           <a:p>
             <a:fld id="{14F81100-6BBF-4321-88CC-D82FB5A15750}" type="datetimeFigureOut">
               <a:rPr lang="es-ES" smtClean="0"/>
-              <a:t>05/07/2020</a:t>
+              <a:t>10/07/2020</a:t>
             </a:fld>
             <a:endParaRPr lang="es-ES"/>
           </a:p>
@@ -3401,7 +3401,7 @@
           <a:p>
             <a:fld id="{14F81100-6BBF-4321-88CC-D82FB5A15750}" type="datetimeFigureOut">
               <a:rPr lang="es-ES" smtClean="0"/>
-              <a:t>05/07/2020</a:t>
+              <a:t>10/07/2020</a:t>
             </a:fld>
             <a:endParaRPr lang="es-ES"/>
           </a:p>
@@ -3644,7 +3644,7 @@
           <a:p>
             <a:fld id="{14F81100-6BBF-4321-88CC-D82FB5A15750}" type="datetimeFigureOut">
               <a:rPr lang="es-ES" smtClean="0"/>
-              <a:t>05/07/2020</a:t>
+              <a:t>10/07/2020</a:t>
             </a:fld>
             <a:endParaRPr lang="es-ES"/>
           </a:p>
@@ -11626,62 +11626,32 @@
       </p:sp>
       <p:pic>
         <p:nvPicPr>
-          <p:cNvPr id="3076" name="Imagem 75">
+          <p:cNvPr id="12" name="Imagem 11">
             <a:extLst>
               <a:ext uri="{FF2B5EF4-FFF2-40B4-BE49-F238E27FC236}">
-                <a16:creationId xmlns:a16="http://schemas.microsoft.com/office/drawing/2014/main" id="{803AF3EF-C0FF-4639-9720-6AE3B93E99BE}"/>
+                <a16:creationId xmlns:a16="http://schemas.microsoft.com/office/drawing/2014/main" id="{33FC6EB0-5E28-44C7-A6CB-EC12EA76D1C4}"/>
               </a:ext>
             </a:extLst>
           </p:cNvPr>
           <p:cNvPicPr>
-            <a:picLocks noChangeAspect="1" noChangeArrowheads="1"/>
+            <a:picLocks noChangeAspect="1"/>
           </p:cNvPicPr>
           <p:nvPr/>
         </p:nvPicPr>
         <p:blipFill>
-          <a:blip r:embed="rId2">
-            <a:extLst>
-              <a:ext uri="{28A0092B-C50C-407E-A947-70E740481C1C}">
-                <a14:useLocalDpi xmlns:a14="http://schemas.microsoft.com/office/drawing/2010/main" val="0"/>
-              </a:ext>
-            </a:extLst>
-          </a:blip>
-          <a:srcRect/>
+          <a:blip r:embed="rId2"/>
           <a:stretch>
             <a:fillRect/>
           </a:stretch>
         </p:blipFill>
-        <p:spPr bwMode="auto">
+        <p:spPr>
           <a:xfrm>
-            <a:off x="1200517" y="2293034"/>
-            <a:ext cx="7296369" cy="4092144"/>
+            <a:off x="838200" y="2427971"/>
+            <a:ext cx="8193258" cy="4396431"/>
           </a:xfrm>
           <a:prstGeom prst="rect">
             <a:avLst/>
           </a:prstGeom>
-          <a:noFill/>
-          <a:ln>
-            <a:noFill/>
-          </a:ln>
-          <a:extLst>
-            <a:ext uri="{909E8E84-426E-40DD-AFC4-6F175D3DCCD1}">
-              <a14:hiddenFill xmlns:a14="http://schemas.microsoft.com/office/drawing/2010/main">
-                <a:solidFill>
-                  <a:srgbClr val="FFFFFF"/>
-                </a:solidFill>
-              </a14:hiddenFill>
-            </a:ext>
-            <a:ext uri="{91240B29-F687-4F45-9708-019B960494DF}">
-              <a14:hiddenLine xmlns:a14="http://schemas.microsoft.com/office/drawing/2010/main" w="9525">
-                <a:solidFill>
-                  <a:srgbClr val="000000"/>
-                </a:solidFill>
-                <a:miter lim="800000"/>
-                <a:headEnd/>
-                <a:tailEnd/>
-              </a14:hiddenLine>
-            </a:ext>
-          </a:extLst>
         </p:spPr>
       </p:pic>
     </p:spTree>

--- a/13_TCC_Carlos_Jordana_05_07.pptx
+++ b/13_TCC_Carlos_Jordana_05_07.pptx
@@ -4732,7 +4732,7 @@
         </p:blipFill>
         <p:spPr bwMode="auto">
           <a:xfrm>
-            <a:off x="3479857" y="2132414"/>
+            <a:off x="1015943" y="2293034"/>
             <a:ext cx="7696200" cy="4642320"/>
           </a:xfrm>
           <a:prstGeom prst="rect">
@@ -11949,62 +11949,32 @@
       </p:sp>
       <p:pic>
         <p:nvPicPr>
-          <p:cNvPr id="3077" name="Imagem 1">
+          <p:cNvPr id="5" name="Imagem 4">
             <a:extLst>
               <a:ext uri="{FF2B5EF4-FFF2-40B4-BE49-F238E27FC236}">
-                <a16:creationId xmlns:a16="http://schemas.microsoft.com/office/drawing/2014/main" id="{ABD93A17-74D7-4EAF-85D3-6F594204068D}"/>
+                <a16:creationId xmlns:a16="http://schemas.microsoft.com/office/drawing/2014/main" id="{57403F89-330C-4AA5-B1FC-D4004BE80FEB}"/>
               </a:ext>
             </a:extLst>
           </p:cNvPr>
           <p:cNvPicPr>
-            <a:picLocks noChangeAspect="1" noChangeArrowheads="1"/>
+            <a:picLocks noChangeAspect="1"/>
           </p:cNvPicPr>
           <p:nvPr/>
         </p:nvPicPr>
         <p:blipFill>
-          <a:blip r:embed="rId2">
-            <a:extLst>
-              <a:ext uri="{28A0092B-C50C-407E-A947-70E740481C1C}">
-                <a14:useLocalDpi xmlns:a14="http://schemas.microsoft.com/office/drawing/2010/main" val="0"/>
-              </a:ext>
-            </a:extLst>
-          </a:blip>
-          <a:srcRect/>
+          <a:blip r:embed="rId2"/>
           <a:stretch>
             <a:fillRect/>
           </a:stretch>
         </p:blipFill>
-        <p:spPr bwMode="auto">
+        <p:spPr>
           <a:xfrm>
-            <a:off x="1312502" y="2588456"/>
-            <a:ext cx="8281664" cy="3548634"/>
+            <a:off x="838200" y="2609210"/>
+            <a:ext cx="9351166" cy="3957845"/>
           </a:xfrm>
           <a:prstGeom prst="rect">
             <a:avLst/>
           </a:prstGeom>
-          <a:noFill/>
-          <a:ln>
-            <a:noFill/>
-          </a:ln>
-          <a:extLst>
-            <a:ext uri="{909E8E84-426E-40DD-AFC4-6F175D3DCCD1}">
-              <a14:hiddenFill xmlns:a14="http://schemas.microsoft.com/office/drawing/2010/main">
-                <a:solidFill>
-                  <a:srgbClr val="FFFFFF"/>
-                </a:solidFill>
-              </a14:hiddenFill>
-            </a:ext>
-            <a:ext uri="{91240B29-F687-4F45-9708-019B960494DF}">
-              <a14:hiddenLine xmlns:a14="http://schemas.microsoft.com/office/drawing/2010/main" w="9525">
-                <a:solidFill>
-                  <a:srgbClr val="000000"/>
-                </a:solidFill>
-                <a:miter lim="800000"/>
-                <a:headEnd/>
-                <a:tailEnd/>
-              </a14:hiddenLine>
-            </a:ext>
-          </a:extLst>
         </p:spPr>
       </p:pic>
     </p:spTree>
